--- a/milestone_2_presentation.pptx
+++ b/milestone_2_presentation.pptx
@@ -9009,8 +9009,13 @@
           <a:p>
             <a:r>
               <a:rPr lang="en-US" dirty="0"/>
-              <a:t>	My  current classes </a:t>
-            </a:r>
+              <a:t>	My  </a:t>
+            </a:r>
+            <a:r>
+              <a:rPr lang="en-US"/>
+              <a:t>current classes  </a:t>
+            </a:r>
+            <a:endParaRPr lang="en-US" dirty="0"/>
           </a:p>
         </p:txBody>
       </p:sp>

--- a/milestone_2_presentation.pptx
+++ b/milestone_2_presentation.pptx
@@ -6012,7 +6012,7 @@
           <a:p>
             <a:r>
               <a:rPr lang="en-US" dirty="0"/>
-              <a:t>Enrolment Time</a:t>
+              <a:t>Enrollment Time</a:t>
             </a:r>
           </a:p>
           <a:p>
@@ -9009,13 +9009,8 @@
           <a:p>
             <a:r>
               <a:rPr lang="en-US" dirty="0"/>
-              <a:t>	My  </a:t>
-            </a:r>
-            <a:r>
-              <a:rPr lang="en-US"/>
-              <a:t>current classes  </a:t>
-            </a:r>
-            <a:endParaRPr lang="en-US" dirty="0"/>
+              <a:t>	My  current classes  </a:t>
+            </a:r>
           </a:p>
         </p:txBody>
       </p:sp>

--- a/milestone_2_presentation.pptx
+++ b/milestone_2_presentation.pptx
@@ -4043,7 +4043,7 @@
           <p:nvPr>
             <p:extLst>
               <p:ext uri="{D42A27DB-BD31-4B8C-83A1-F6EECF244321}">
-                <p14:modId xmlns:p14="http://schemas.microsoft.com/office/powerpoint/2010/main" val="1809990126"/>
+                <p14:modId xmlns:p14="http://schemas.microsoft.com/office/powerpoint/2010/main" val="4149978835"/>
               </p:ext>
             </p:extLst>
           </p:nvPr>
@@ -4137,7 +4137,7 @@
                     <a:p>
                       <a:r>
                         <a:rPr lang="en-US" sz="1200" dirty="0"/>
-                        <a:t>Student id </a:t>
+                        <a:t>Student ID</a:t>
                       </a:r>
                     </a:p>
                   </a:txBody>
@@ -4163,7 +4163,7 @@
                     <a:p>
                       <a:r>
                         <a:rPr lang="en-US" sz="1200" dirty="0"/>
-                        <a:t>Class to drop </a:t>
+                        <a:t>Class ID to drop </a:t>
                       </a:r>
                     </a:p>
                   </a:txBody>
@@ -4206,7 +4206,7 @@
                       </a:pPr>
                       <a:r>
                         <a:rPr lang="en-US" sz="1200" dirty="0"/>
-                        <a:t>Class to join</a:t>
+                        <a:t>Class ID to join</a:t>
                       </a:r>
                     </a:p>
                     <a:p>
@@ -4235,7 +4235,7 @@
                     <a:p>
                       <a:r>
                         <a:rPr lang="en-US" sz="1200" dirty="0"/>
-                        <a:t>status</a:t>
+                        <a:t>Status</a:t>
                       </a:r>
                     </a:p>
                   </a:txBody>
@@ -4578,7 +4578,7 @@
           <p:nvPr>
             <p:extLst>
               <p:ext uri="{D42A27DB-BD31-4B8C-83A1-F6EECF244321}">
-                <p14:modId xmlns:p14="http://schemas.microsoft.com/office/powerpoint/2010/main" val="3361442001"/>
+                <p14:modId xmlns:p14="http://schemas.microsoft.com/office/powerpoint/2010/main" val="104793097"/>
               </p:ext>
             </p:extLst>
           </p:nvPr>
@@ -4631,7 +4631,7 @@
                     <a:p>
                       <a:r>
                         <a:rPr lang="en-US" sz="1200" dirty="0"/>
-                        <a:t>Request id 1</a:t>
+                        <a:t>Request ID 1</a:t>
                       </a:r>
                     </a:p>
                   </a:txBody>
@@ -4661,7 +4661,7 @@
                       </a:pPr>
                       <a:r>
                         <a:rPr lang="en-US" sz="1200" dirty="0"/>
-                        <a:t>Student id 1</a:t>
+                        <a:t>Student ID  1</a:t>
                       </a:r>
                     </a:p>
                     <a:p>
@@ -4694,7 +4694,7 @@
                       </a:pPr>
                       <a:r>
                         <a:rPr lang="en-US" sz="1200" dirty="0"/>
-                        <a:t>Request id 2</a:t>
+                        <a:t>Request ID 2</a:t>
                       </a:r>
                     </a:p>
                     <a:p>
@@ -4727,7 +4727,7 @@
                       </a:pPr>
                       <a:r>
                         <a:rPr lang="en-US" sz="1200" dirty="0"/>
-                        <a:t>Student id 2</a:t>
+                        <a:t>Student ID 2</a:t>
                       </a:r>
                     </a:p>
                     <a:p>
@@ -4819,7 +4819,7 @@
         </p:nvSpPr>
         <p:spPr>
           <a:xfrm>
-            <a:off x="1929640" y="6000270"/>
+            <a:off x="3393838" y="6050699"/>
             <a:ext cx="2493818" cy="693814"/>
           </a:xfrm>
           <a:prstGeom prst="rect">
@@ -9078,14 +9078,14 @@
           <p:nvPr>
             <p:extLst>
               <p:ext uri="{D42A27DB-BD31-4B8C-83A1-F6EECF244321}">
-                <p14:modId xmlns:p14="http://schemas.microsoft.com/office/powerpoint/2010/main" val="3685828075"/>
+                <p14:modId xmlns:p14="http://schemas.microsoft.com/office/powerpoint/2010/main" val="2815791165"/>
               </p:ext>
             </p:extLst>
           </p:nvPr>
         </p:nvGraphicFramePr>
         <p:xfrm>
           <a:off x="6172224" y="3989363"/>
-          <a:ext cx="4223332" cy="1920240"/>
+          <a:ext cx="4223332" cy="2194560"/>
         </p:xfrm>
         <a:graphic>
           <a:graphicData uri="http://schemas.openxmlformats.org/drawingml/2006/table">
@@ -9203,7 +9203,7 @@
                     <a:p>
                       <a:r>
                         <a:rPr lang="en-US" dirty="0"/>
-                        <a:t>CS133</a:t>
+                        <a:t>CS150</a:t>
                       </a:r>
                     </a:p>
                   </a:txBody>
@@ -9216,7 +9216,7 @@
                     <a:p>
                       <a:r>
                         <a:rPr lang="en-US" dirty="0"/>
-                        <a:t>Monday 1:00 PM</a:t>
+                        <a:t>Tue 11:00 AM</a:t>
                       </a:r>
                     </a:p>
                   </a:txBody>
@@ -9279,7 +9279,7 @@
                       </a:pPr>
                       <a:r>
                         <a:rPr lang="en-US" dirty="0"/>
-                        <a:t>CS133</a:t>
+                        <a:t>CS150</a:t>
                       </a:r>
                     </a:p>
                     <a:p>
@@ -9295,7 +9295,7 @@
                     <a:p>
                       <a:r>
                         <a:rPr lang="en-US" dirty="0"/>
-                        <a:t>Wed 1:00 PM</a:t>
+                        <a:t>Friday 9:00 AM</a:t>
                       </a:r>
                     </a:p>
                   </a:txBody>
@@ -9567,7 +9567,7 @@
           <a:p>
             <a:r>
               <a:rPr lang="en-US" dirty="0"/>
-              <a:t>                       Exchange request status  page    </a:t>
+              <a:t>                       Exchange request status page    </a:t>
             </a:r>
           </a:p>
         </p:txBody>
@@ -9620,7 +9620,7 @@
           <p:nvPr>
             <p:extLst>
               <p:ext uri="{D42A27DB-BD31-4B8C-83A1-F6EECF244321}">
-                <p14:modId xmlns:p14="http://schemas.microsoft.com/office/powerpoint/2010/main" val="1045583214"/>
+                <p14:modId xmlns:p14="http://schemas.microsoft.com/office/powerpoint/2010/main" val="2273295911"/>
               </p:ext>
             </p:extLst>
           </p:nvPr>
@@ -9700,7 +9700,7 @@
                     <a:p>
                       <a:r>
                         <a:rPr lang="en-US" dirty="0"/>
-                        <a:t>Class to drop </a:t>
+                        <a:t>Class ID to drop </a:t>
                       </a:r>
                     </a:p>
                   </a:txBody>
@@ -9743,7 +9743,7 @@
                       </a:pPr>
                       <a:r>
                         <a:rPr lang="en-US" dirty="0"/>
-                        <a:t>Class to join</a:t>
+                        <a:t>Class ID to join</a:t>
                       </a:r>
                     </a:p>
                     <a:p>

--- a/milestone_2_presentation.pptx
+++ b/milestone_2_presentation.pptx
@@ -4043,7 +4043,7 @@
           <p:nvPr>
             <p:extLst>
               <p:ext uri="{D42A27DB-BD31-4B8C-83A1-F6EECF244321}">
-                <p14:modId xmlns:p14="http://schemas.microsoft.com/office/powerpoint/2010/main" val="4149978835"/>
+                <p14:modId xmlns:p14="http://schemas.microsoft.com/office/powerpoint/2010/main" val="4196578407"/>
               </p:ext>
             </p:extLst>
           </p:nvPr>
@@ -4306,9 +4306,10 @@
                     <a:lstStyle/>
                     <a:p>
                       <a:r>
-                        <a:rPr lang="en-US" sz="1200" dirty="0"/>
-                        <a:t>cs150</a:t>
-                      </a:r>
+                        <a:rPr lang="en-US" sz="1200"/>
+                        <a:t>CS150</a:t>
+                      </a:r>
+                      <a:endParaRPr lang="en-US" sz="1200" dirty="0"/>
                     </a:p>
                   </a:txBody>
                   <a:tcPr/>
@@ -4333,7 +4334,7 @@
                     <a:p>
                       <a:r>
                         <a:rPr lang="en-US" sz="1200" dirty="0"/>
-                        <a:t>cs180</a:t>
+                        <a:t>CS180</a:t>
                       </a:r>
                     </a:p>
                   </a:txBody>
@@ -4438,7 +4439,7 @@
                     <a:p>
                       <a:r>
                         <a:rPr lang="en-US" sz="1200" dirty="0"/>
-                        <a:t>cs180</a:t>
+                        <a:t>CS180</a:t>
                       </a:r>
                     </a:p>
                   </a:txBody>
@@ -7875,7 +7876,7 @@
         </p:nvSpPr>
         <p:spPr>
           <a:xfrm>
-            <a:off x="0" y="-107151"/>
+            <a:off x="1402203" y="-108699"/>
             <a:ext cx="10515600" cy="1325563"/>
           </a:xfrm>
         </p:spPr>

--- a/milestone_2_presentation.pptx
+++ b/milestone_2_presentation.pptx
@@ -4306,10 +4306,9 @@
                     <a:lstStyle/>
                     <a:p>
                       <a:r>
-                        <a:rPr lang="en-US" sz="1200"/>
+                        <a:rPr lang="en-US" sz="1200" dirty="0"/>
                         <a:t>CS150</a:t>
                       </a:r>
-                      <a:endParaRPr lang="en-US" sz="1200" dirty="0"/>
                     </a:p>
                   </a:txBody>
                   <a:tcPr/>
@@ -6019,7 +6018,7 @@
           <a:p>
             <a:r>
               <a:rPr lang="en-US" dirty="0"/>
-              <a:t>Grade</a:t>
+              <a:t>Completed </a:t>
             </a:r>
           </a:p>
         </p:txBody>
@@ -6054,7 +6053,7 @@
           <a:p>
             <a:r>
               <a:rPr lang="en-US" u="sng" dirty="0"/>
-              <a:t>CID</a:t>
+              <a:t>CLID</a:t>
             </a:r>
           </a:p>
           <a:p>
@@ -6237,7 +6236,7 @@
         <p:spPr>
           <a:xfrm>
             <a:off x="8476290" y="4868141"/>
-            <a:ext cx="1216901" cy="923330"/>
+            <a:ext cx="1801228" cy="1477328"/>
           </a:xfrm>
           <a:prstGeom prst="rect">
             <a:avLst/>
@@ -6252,17 +6251,26 @@
           <a:p>
             <a:r>
               <a:rPr lang="en-US" u="sng" dirty="0"/>
-              <a:t>CID</a:t>
-            </a:r>
-          </a:p>
-          <a:p>
-            <a:r>
-              <a:rPr lang="en-US" u="sng" dirty="0"/>
-              <a:t>Time</a:t>
-            </a:r>
+              <a:t>CLID</a:t>
+            </a:r>
+          </a:p>
+          <a:p>
+            <a:r>
+              <a:rPr lang="en-US" dirty="0" err="1"/>
+              <a:t>LengthInMin</a:t>
+            </a:r>
+            <a:endParaRPr lang="en-US" dirty="0"/>
+          </a:p>
+          <a:p>
             <a:r>
               <a:rPr lang="en-US" dirty="0"/>
-              <a:t> </a:t>
+              <a:t>Day</a:t>
+            </a:r>
+          </a:p>
+          <a:p>
+            <a:r>
+              <a:rPr lang="en-US" dirty="0"/>
+              <a:t>Hour </a:t>
             </a:r>
           </a:p>
           <a:p>

--- a/milestone_2_presentation.pptx
+++ b/milestone_2_presentation.pptx
@@ -206,7 +206,7 @@
           <a:p>
             <a:fld id="{5D6344E8-ED7B-4E86-98BB-D4B8630E1706}" type="datetimeFigureOut">
               <a:rPr lang="en-US" smtClean="0"/>
-              <a:t>9/26/2020</a:t>
+              <a:t>9/30/2020</a:t>
             </a:fld>
             <a:endParaRPr lang="en-US"/>
           </a:p>
@@ -709,7 +709,7 @@
           <a:p>
             <a:fld id="{AB566608-4345-4650-8781-22079023BD92}" type="datetimeFigureOut">
               <a:rPr lang="en-US" smtClean="0"/>
-              <a:t>9/26/2020</a:t>
+              <a:t>9/30/2020</a:t>
             </a:fld>
             <a:endParaRPr lang="en-US"/>
           </a:p>
@@ -907,7 +907,7 @@
           <a:p>
             <a:fld id="{AB566608-4345-4650-8781-22079023BD92}" type="datetimeFigureOut">
               <a:rPr lang="en-US" smtClean="0"/>
-              <a:t>9/26/2020</a:t>
+              <a:t>9/30/2020</a:t>
             </a:fld>
             <a:endParaRPr lang="en-US"/>
           </a:p>
@@ -1115,7 +1115,7 @@
           <a:p>
             <a:fld id="{AB566608-4345-4650-8781-22079023BD92}" type="datetimeFigureOut">
               <a:rPr lang="en-US" smtClean="0"/>
-              <a:t>9/26/2020</a:t>
+              <a:t>9/30/2020</a:t>
             </a:fld>
             <a:endParaRPr lang="en-US"/>
           </a:p>
@@ -1412,7 +1412,7 @@
           <a:p>
             <a:fld id="{AB566608-4345-4650-8781-22079023BD92}" type="datetimeFigureOut">
               <a:rPr lang="en-US" smtClean="0"/>
-              <a:t>9/26/2020</a:t>
+              <a:t>9/30/2020</a:t>
             </a:fld>
             <a:endParaRPr lang="en-US"/>
           </a:p>
@@ -1687,7 +1687,7 @@
           <a:p>
             <a:fld id="{AB566608-4345-4650-8781-22079023BD92}" type="datetimeFigureOut">
               <a:rPr lang="en-US" smtClean="0"/>
-              <a:t>9/26/2020</a:t>
+              <a:t>9/30/2020</a:t>
             </a:fld>
             <a:endParaRPr lang="en-US"/>
           </a:p>
@@ -1952,7 +1952,7 @@
           <a:p>
             <a:fld id="{AB566608-4345-4650-8781-22079023BD92}" type="datetimeFigureOut">
               <a:rPr lang="en-US" smtClean="0"/>
-              <a:t>9/26/2020</a:t>
+              <a:t>9/30/2020</a:t>
             </a:fld>
             <a:endParaRPr lang="en-US"/>
           </a:p>
@@ -2364,7 +2364,7 @@
           <a:p>
             <a:fld id="{AB566608-4345-4650-8781-22079023BD92}" type="datetimeFigureOut">
               <a:rPr lang="en-US" smtClean="0"/>
-              <a:t>9/26/2020</a:t>
+              <a:t>9/30/2020</a:t>
             </a:fld>
             <a:endParaRPr lang="en-US"/>
           </a:p>
@@ -2505,7 +2505,7 @@
           <a:p>
             <a:fld id="{AB566608-4345-4650-8781-22079023BD92}" type="datetimeFigureOut">
               <a:rPr lang="en-US" smtClean="0"/>
-              <a:t>9/26/2020</a:t>
+              <a:t>9/30/2020</a:t>
             </a:fld>
             <a:endParaRPr lang="en-US"/>
           </a:p>
@@ -2618,7 +2618,7 @@
           <a:p>
             <a:fld id="{AB566608-4345-4650-8781-22079023BD92}" type="datetimeFigureOut">
               <a:rPr lang="en-US" smtClean="0"/>
-              <a:t>9/26/2020</a:t>
+              <a:t>9/30/2020</a:t>
             </a:fld>
             <a:endParaRPr lang="en-US"/>
           </a:p>
@@ -2929,7 +2929,7 @@
           <a:p>
             <a:fld id="{AB566608-4345-4650-8781-22079023BD92}" type="datetimeFigureOut">
               <a:rPr lang="en-US" smtClean="0"/>
-              <a:t>9/26/2020</a:t>
+              <a:t>9/30/2020</a:t>
             </a:fld>
             <a:endParaRPr lang="en-US"/>
           </a:p>
@@ -3217,7 +3217,7 @@
           <a:p>
             <a:fld id="{AB566608-4345-4650-8781-22079023BD92}" type="datetimeFigureOut">
               <a:rPr lang="en-US" smtClean="0"/>
-              <a:t>9/26/2020</a:t>
+              <a:t>9/30/2020</a:t>
             </a:fld>
             <a:endParaRPr lang="en-US"/>
           </a:p>
@@ -3458,7 +3458,7 @@
           <a:p>
             <a:fld id="{AB566608-4345-4650-8781-22079023BD92}" type="datetimeFigureOut">
               <a:rPr lang="en-US" smtClean="0"/>
-              <a:t>9/26/2020</a:t>
+              <a:t>9/30/2020</a:t>
             </a:fld>
             <a:endParaRPr lang="en-US"/>
           </a:p>
@@ -5274,6 +5274,16 @@
 <file path=ppt/slides/slide4.xml><?xml version="1.0" encoding="utf-8"?>
 <p:sld xmlns:a="http://schemas.openxmlformats.org/drawingml/2006/main" xmlns:r="http://schemas.openxmlformats.org/officeDocument/2006/relationships" xmlns:p="http://schemas.openxmlformats.org/presentationml/2006/main">
   <p:cSld>
+    <p:bg>
+      <p:bgPr>
+        <a:solidFill>
+          <a:schemeClr val="bg1">
+            <a:alpha val="31000"/>
+          </a:schemeClr>
+        </a:solidFill>
+        <a:effectLst/>
+      </p:bgPr>
+    </p:bg>
     <p:spTree>
       <p:nvGrpSpPr>
         <p:cNvPr id="1" name=""/>
@@ -5381,7 +5391,7 @@
             <a:avLst/>
           </a:prstGeom>
           <a:noFill/>
-          <a:ln>
+          <a:ln w="47625">
             <a:solidFill>
               <a:schemeClr val="tx1"/>
             </a:solidFill>
@@ -5626,7 +5636,7 @@
           <a:solidFill>
             <a:schemeClr val="bg1"/>
           </a:solidFill>
-          <a:ln>
+          <a:ln w="41275">
             <a:solidFill>
               <a:schemeClr val="tx1"/>
             </a:solidFill>
@@ -6105,10 +6115,15 @@
             <a:avLst/>
           </a:prstGeom>
           <a:noFill/>
-          <a:ln>
+          <a:ln w="53975">
             <a:solidFill>
-              <a:schemeClr val="tx1"/>
+              <a:schemeClr val="tx1">
+                <a:lumMod val="50000"/>
+                <a:lumOff val="50000"/>
+                <a:alpha val="85000"/>
+              </a:schemeClr>
             </a:solidFill>
+            <a:prstDash val="sysDash"/>
           </a:ln>
         </p:spPr>
         <p:txBody>

--- a/milestone_2_presentation.pptx
+++ b/milestone_2_presentation.pptx
@@ -5636,7 +5636,7 @@
           <a:solidFill>
             <a:schemeClr val="bg1"/>
           </a:solidFill>
-          <a:ln w="41275">
+          <a:ln w="9525">
             <a:solidFill>
               <a:schemeClr val="tx1"/>
             </a:solidFill>
@@ -7154,14 +7154,14 @@
           <p:nvPr>
             <p:extLst>
               <p:ext uri="{D42A27DB-BD31-4B8C-83A1-F6EECF244321}">
-                <p14:modId xmlns:p14="http://schemas.microsoft.com/office/powerpoint/2010/main" val="2835726809"/>
+                <p14:modId xmlns:p14="http://schemas.microsoft.com/office/powerpoint/2010/main" val="1040921"/>
               </p:ext>
             </p:extLst>
           </p:nvPr>
         </p:nvGraphicFramePr>
         <p:xfrm>
           <a:off x="416689" y="1471140"/>
-          <a:ext cx="11562144" cy="4399280"/>
+          <a:ext cx="11562144" cy="4770120"/>
         </p:xfrm>
         <a:graphic>
           <a:graphicData uri="http://schemas.openxmlformats.org/drawingml/2006/table">
@@ -7382,7 +7382,7 @@
                     <a:bodyPr/>
                     <a:lstStyle/>
                     <a:p>
-                      <a:endParaRPr lang="en-US"/>
+                      <a:endParaRPr lang="en-US" dirty="0"/>
                     </a:p>
                   </a:txBody>
                   <a:tcPr/>
@@ -7450,12 +7450,8 @@
                     <a:lstStyle/>
                     <a:p>
                       <a:r>
-                        <a:rPr lang="en-US" dirty="0" err="1"/>
-                        <a:t>RequestSwap</a:t>
-                      </a:r>
-                      <a:r>
                         <a:rPr lang="en-US" dirty="0"/>
-                        <a:t> </a:t>
+                        <a:t>RequestSwap </a:t>
                       </a:r>
                     </a:p>
                   </a:txBody>
@@ -7502,6 +7498,50 @@
                 <a:extLst>
                   <a:ext uri="{0D108BD9-81ED-4DB2-BD59-A6C34878D82A}">
                     <a16:rowId xmlns:a16="http://schemas.microsoft.com/office/drawing/2014/main" val="1835780850"/>
+                  </a:ext>
+                </a:extLst>
+              </a:tr>
+              <a:tr h="370840">
+                <a:tc>
+                  <a:txBody>
+                    <a:bodyPr/>
+                    <a:lstStyle/>
+                    <a:p>
+                      <a:r>
+                        <a:rPr lang="en-US" dirty="0" err="1"/>
+                        <a:t>CancelRequest</a:t>
+                      </a:r>
+                      <a:endParaRPr lang="en-US" dirty="0"/>
+                    </a:p>
+                  </a:txBody>
+                  <a:tcPr/>
+                </a:tc>
+                <a:tc>
+                  <a:txBody>
+                    <a:bodyPr/>
+                    <a:lstStyle/>
+                    <a:p>
+                      <a:r>
+                        <a:rPr lang="en-US" dirty="0"/>
+                        <a:t>Cancel a pending swap request </a:t>
+                      </a:r>
+                    </a:p>
+                  </a:txBody>
+                  <a:tcPr/>
+                </a:tc>
+                <a:tc>
+                  <a:txBody>
+                    <a:bodyPr/>
+                    <a:lstStyle/>
+                    <a:p>
+                      <a:endParaRPr lang="en-US" dirty="0"/>
+                    </a:p>
+                  </a:txBody>
+                  <a:tcPr/>
+                </a:tc>
+                <a:extLst>
+                  <a:ext uri="{0D108BD9-81ED-4DB2-BD59-A6C34878D82A}">
+                    <a16:rowId xmlns:a16="http://schemas.microsoft.com/office/drawing/2014/main" val="3942801540"/>
                   </a:ext>
                 </a:extLst>
               </a:tr>
@@ -7620,7 +7660,7 @@
           <p:nvPr>
             <p:extLst>
               <p:ext uri="{D42A27DB-BD31-4B8C-83A1-F6EECF244321}">
-                <p14:modId xmlns:p14="http://schemas.microsoft.com/office/powerpoint/2010/main" val="2846147479"/>
+                <p14:modId xmlns:p14="http://schemas.microsoft.com/office/powerpoint/2010/main" val="1285840687"/>
               </p:ext>
             </p:extLst>
           </p:nvPr>
@@ -7792,7 +7832,7 @@
                     <a:p>
                       <a:r>
                         <a:rPr lang="en-US" dirty="0"/>
-                        <a:t>Validate lesson schedule are not conflicting</a:t>
+                        <a:t>Validate all business logic again  ensuring the swap is valid</a:t>
                       </a:r>
                     </a:p>
                   </a:txBody>

--- a/milestone_2_presentation.pptx
+++ b/milestone_2_presentation.pptx
@@ -206,7 +206,7 @@
           <a:p>
             <a:fld id="{5D6344E8-ED7B-4E86-98BB-D4B8630E1706}" type="datetimeFigureOut">
               <a:rPr lang="en-US" smtClean="0"/>
-              <a:t>9/26/2020</a:t>
+              <a:t>9/30/2020</a:t>
             </a:fld>
             <a:endParaRPr lang="en-US"/>
           </a:p>
@@ -709,7 +709,7 @@
           <a:p>
             <a:fld id="{AB566608-4345-4650-8781-22079023BD92}" type="datetimeFigureOut">
               <a:rPr lang="en-US" smtClean="0"/>
-              <a:t>9/26/2020</a:t>
+              <a:t>9/30/2020</a:t>
             </a:fld>
             <a:endParaRPr lang="en-US"/>
           </a:p>
@@ -907,7 +907,7 @@
           <a:p>
             <a:fld id="{AB566608-4345-4650-8781-22079023BD92}" type="datetimeFigureOut">
               <a:rPr lang="en-US" smtClean="0"/>
-              <a:t>9/26/2020</a:t>
+              <a:t>9/30/2020</a:t>
             </a:fld>
             <a:endParaRPr lang="en-US"/>
           </a:p>
@@ -1115,7 +1115,7 @@
           <a:p>
             <a:fld id="{AB566608-4345-4650-8781-22079023BD92}" type="datetimeFigureOut">
               <a:rPr lang="en-US" smtClean="0"/>
-              <a:t>9/26/2020</a:t>
+              <a:t>9/30/2020</a:t>
             </a:fld>
             <a:endParaRPr lang="en-US"/>
           </a:p>
@@ -1412,7 +1412,7 @@
           <a:p>
             <a:fld id="{AB566608-4345-4650-8781-22079023BD92}" type="datetimeFigureOut">
               <a:rPr lang="en-US" smtClean="0"/>
-              <a:t>9/26/2020</a:t>
+              <a:t>9/30/2020</a:t>
             </a:fld>
             <a:endParaRPr lang="en-US"/>
           </a:p>
@@ -1687,7 +1687,7 @@
           <a:p>
             <a:fld id="{AB566608-4345-4650-8781-22079023BD92}" type="datetimeFigureOut">
               <a:rPr lang="en-US" smtClean="0"/>
-              <a:t>9/26/2020</a:t>
+              <a:t>9/30/2020</a:t>
             </a:fld>
             <a:endParaRPr lang="en-US"/>
           </a:p>
@@ -1952,7 +1952,7 @@
           <a:p>
             <a:fld id="{AB566608-4345-4650-8781-22079023BD92}" type="datetimeFigureOut">
               <a:rPr lang="en-US" smtClean="0"/>
-              <a:t>9/26/2020</a:t>
+              <a:t>9/30/2020</a:t>
             </a:fld>
             <a:endParaRPr lang="en-US"/>
           </a:p>
@@ -2364,7 +2364,7 @@
           <a:p>
             <a:fld id="{AB566608-4345-4650-8781-22079023BD92}" type="datetimeFigureOut">
               <a:rPr lang="en-US" smtClean="0"/>
-              <a:t>9/26/2020</a:t>
+              <a:t>9/30/2020</a:t>
             </a:fld>
             <a:endParaRPr lang="en-US"/>
           </a:p>
@@ -2505,7 +2505,7 @@
           <a:p>
             <a:fld id="{AB566608-4345-4650-8781-22079023BD92}" type="datetimeFigureOut">
               <a:rPr lang="en-US" smtClean="0"/>
-              <a:t>9/26/2020</a:t>
+              <a:t>9/30/2020</a:t>
             </a:fld>
             <a:endParaRPr lang="en-US"/>
           </a:p>
@@ -2618,7 +2618,7 @@
           <a:p>
             <a:fld id="{AB566608-4345-4650-8781-22079023BD92}" type="datetimeFigureOut">
               <a:rPr lang="en-US" smtClean="0"/>
-              <a:t>9/26/2020</a:t>
+              <a:t>9/30/2020</a:t>
             </a:fld>
             <a:endParaRPr lang="en-US"/>
           </a:p>
@@ -2929,7 +2929,7 @@
           <a:p>
             <a:fld id="{AB566608-4345-4650-8781-22079023BD92}" type="datetimeFigureOut">
               <a:rPr lang="en-US" smtClean="0"/>
-              <a:t>9/26/2020</a:t>
+              <a:t>9/30/2020</a:t>
             </a:fld>
             <a:endParaRPr lang="en-US"/>
           </a:p>
@@ -3217,7 +3217,7 @@
           <a:p>
             <a:fld id="{AB566608-4345-4650-8781-22079023BD92}" type="datetimeFigureOut">
               <a:rPr lang="en-US" smtClean="0"/>
-              <a:t>9/26/2020</a:t>
+              <a:t>9/30/2020</a:t>
             </a:fld>
             <a:endParaRPr lang="en-US"/>
           </a:p>
@@ -3458,7 +3458,7 @@
           <a:p>
             <a:fld id="{AB566608-4345-4650-8781-22079023BD92}" type="datetimeFigureOut">
               <a:rPr lang="en-US" smtClean="0"/>
-              <a:t>9/26/2020</a:t>
+              <a:t>9/30/2020</a:t>
             </a:fld>
             <a:endParaRPr lang="en-US"/>
           </a:p>
@@ -5274,6 +5274,16 @@
 <file path=ppt/slides/slide4.xml><?xml version="1.0" encoding="utf-8"?>
 <p:sld xmlns:a="http://schemas.openxmlformats.org/drawingml/2006/main" xmlns:r="http://schemas.openxmlformats.org/officeDocument/2006/relationships" xmlns:p="http://schemas.openxmlformats.org/presentationml/2006/main">
   <p:cSld>
+    <p:bg>
+      <p:bgPr>
+        <a:solidFill>
+          <a:schemeClr val="bg1">
+            <a:alpha val="31000"/>
+          </a:schemeClr>
+        </a:solidFill>
+        <a:effectLst/>
+      </p:bgPr>
+    </p:bg>
     <p:spTree>
       <p:nvGrpSpPr>
         <p:cNvPr id="1" name=""/>
@@ -5381,7 +5391,7 @@
             <a:avLst/>
           </a:prstGeom>
           <a:noFill/>
-          <a:ln>
+          <a:ln w="47625">
             <a:solidFill>
               <a:schemeClr val="tx1"/>
             </a:solidFill>
@@ -5626,7 +5636,7 @@
           <a:solidFill>
             <a:schemeClr val="bg1"/>
           </a:solidFill>
-          <a:ln>
+          <a:ln w="9525">
             <a:solidFill>
               <a:schemeClr val="tx1"/>
             </a:solidFill>
@@ -6105,10 +6115,15 @@
             <a:avLst/>
           </a:prstGeom>
           <a:noFill/>
-          <a:ln>
+          <a:ln w="53975">
             <a:solidFill>
-              <a:schemeClr val="tx1"/>
+              <a:schemeClr val="tx1">
+                <a:lumMod val="50000"/>
+                <a:lumOff val="50000"/>
+                <a:alpha val="85000"/>
+              </a:schemeClr>
             </a:solidFill>
+            <a:prstDash val="sysDash"/>
           </a:ln>
         </p:spPr>
         <p:txBody>
@@ -7139,14 +7154,14 @@
           <p:nvPr>
             <p:extLst>
               <p:ext uri="{D42A27DB-BD31-4B8C-83A1-F6EECF244321}">
-                <p14:modId xmlns:p14="http://schemas.microsoft.com/office/powerpoint/2010/main" val="2835726809"/>
+                <p14:modId xmlns:p14="http://schemas.microsoft.com/office/powerpoint/2010/main" val="1040921"/>
               </p:ext>
             </p:extLst>
           </p:nvPr>
         </p:nvGraphicFramePr>
         <p:xfrm>
           <a:off x="416689" y="1471140"/>
-          <a:ext cx="11562144" cy="4399280"/>
+          <a:ext cx="11562144" cy="4770120"/>
         </p:xfrm>
         <a:graphic>
           <a:graphicData uri="http://schemas.openxmlformats.org/drawingml/2006/table">
@@ -7367,7 +7382,7 @@
                     <a:bodyPr/>
                     <a:lstStyle/>
                     <a:p>
-                      <a:endParaRPr lang="en-US"/>
+                      <a:endParaRPr lang="en-US" dirty="0"/>
                     </a:p>
                   </a:txBody>
                   <a:tcPr/>
@@ -7435,12 +7450,8 @@
                     <a:lstStyle/>
                     <a:p>
                       <a:r>
-                        <a:rPr lang="en-US" dirty="0" err="1"/>
-                        <a:t>RequestSwap</a:t>
-                      </a:r>
-                      <a:r>
                         <a:rPr lang="en-US" dirty="0"/>
-                        <a:t> </a:t>
+                        <a:t>RequestSwap </a:t>
                       </a:r>
                     </a:p>
                   </a:txBody>
@@ -7487,6 +7498,50 @@
                 <a:extLst>
                   <a:ext uri="{0D108BD9-81ED-4DB2-BD59-A6C34878D82A}">
                     <a16:rowId xmlns:a16="http://schemas.microsoft.com/office/drawing/2014/main" val="1835780850"/>
+                  </a:ext>
+                </a:extLst>
+              </a:tr>
+              <a:tr h="370840">
+                <a:tc>
+                  <a:txBody>
+                    <a:bodyPr/>
+                    <a:lstStyle/>
+                    <a:p>
+                      <a:r>
+                        <a:rPr lang="en-US" dirty="0" err="1"/>
+                        <a:t>CancelRequest</a:t>
+                      </a:r>
+                      <a:endParaRPr lang="en-US" dirty="0"/>
+                    </a:p>
+                  </a:txBody>
+                  <a:tcPr/>
+                </a:tc>
+                <a:tc>
+                  <a:txBody>
+                    <a:bodyPr/>
+                    <a:lstStyle/>
+                    <a:p>
+                      <a:r>
+                        <a:rPr lang="en-US" dirty="0"/>
+                        <a:t>Cancel a pending swap request </a:t>
+                      </a:r>
+                    </a:p>
+                  </a:txBody>
+                  <a:tcPr/>
+                </a:tc>
+                <a:tc>
+                  <a:txBody>
+                    <a:bodyPr/>
+                    <a:lstStyle/>
+                    <a:p>
+                      <a:endParaRPr lang="en-US" dirty="0"/>
+                    </a:p>
+                  </a:txBody>
+                  <a:tcPr/>
+                </a:tc>
+                <a:extLst>
+                  <a:ext uri="{0D108BD9-81ED-4DB2-BD59-A6C34878D82A}">
+                    <a16:rowId xmlns:a16="http://schemas.microsoft.com/office/drawing/2014/main" val="3942801540"/>
                   </a:ext>
                 </a:extLst>
               </a:tr>
@@ -7605,7 +7660,7 @@
           <p:nvPr>
             <p:extLst>
               <p:ext uri="{D42A27DB-BD31-4B8C-83A1-F6EECF244321}">
-                <p14:modId xmlns:p14="http://schemas.microsoft.com/office/powerpoint/2010/main" val="2846147479"/>
+                <p14:modId xmlns:p14="http://schemas.microsoft.com/office/powerpoint/2010/main" val="1285840687"/>
               </p:ext>
             </p:extLst>
           </p:nvPr>
@@ -7777,7 +7832,7 @@
                     <a:p>
                       <a:r>
                         <a:rPr lang="en-US" dirty="0"/>
-                        <a:t>Validate lesson schedule are not conflicting</a:t>
+                        <a:t>Validate all business logic again  ensuring the swap is valid</a:t>
                       </a:r>
                     </a:p>
                   </a:txBody>
